--- a/FINAL_PRESENTATION-TILTBOT-2024.pptx
+++ b/FINAL_PRESENTATION-TILTBOT-2024.pptx
@@ -314,7 +314,7 @@
           <a:p>
             <a:fld id="{C8A432C8-69A7-458B-9684-2BFA64B31948}" type="datetime2">
               <a:rPr lang="en-US" smtClean="0"/>
-              <a:t>Tuesday, June 25, 2024</a:t>
+              <a:t>Wednesday, June 26, 2024</a:t>
             </a:fld>
             <a:endParaRPr lang="en-US"/>
           </a:p>
@@ -516,7 +516,7 @@
           <a:p>
             <a:fld id="{8CC057FC-95B6-4D89-AFDA-ABA33EE921E5}" type="datetime2">
               <a:rPr lang="en-US" smtClean="0"/>
-              <a:t>Tuesday, June 25, 2024</a:t>
+              <a:t>Wednesday, June 26, 2024</a:t>
             </a:fld>
             <a:endParaRPr lang="en-US"/>
           </a:p>
@@ -693,7 +693,7 @@
           <a:p>
             <a:fld id="{EC4549AC-EB31-477F-92A9-B1988E232878}" type="datetime2">
               <a:rPr lang="en-US" smtClean="0"/>
-              <a:t>Tuesday, June 25, 2024</a:t>
+              <a:t>Wednesday, June 26, 2024</a:t>
             </a:fld>
             <a:endParaRPr lang="en-US"/>
           </a:p>
@@ -860,7 +860,7 @@
           <a:p>
             <a:fld id="{6396A3A3-94A6-4E5B-AF39-173ACA3E61CC}" type="datetime2">
               <a:rPr lang="en-US" smtClean="0"/>
-              <a:t>Tuesday, June 25, 2024</a:t>
+              <a:t>Wednesday, June 26, 2024</a:t>
             </a:fld>
             <a:endParaRPr lang="en-US"/>
           </a:p>
@@ -1110,7 +1110,7 @@
           <a:p>
             <a:fld id="{9933D019-A32C-4EAD-B8E6-DBDA699692FD}" type="datetime2">
               <a:rPr lang="en-US" smtClean="0"/>
-              <a:t>Tuesday, June 25, 2024</a:t>
+              <a:t>Wednesday, June 26, 2024</a:t>
             </a:fld>
             <a:endParaRPr lang="en-US"/>
           </a:p>
@@ -1430,7 +1430,7 @@
           <a:p>
             <a:fld id="{CCEBA98F-560C-4997-81C4-81D4D9187EAB}" type="datetime2">
               <a:rPr lang="en-US" smtClean="0"/>
-              <a:t>Tuesday, June 25, 2024</a:t>
+              <a:t>Wednesday, June 26, 2024</a:t>
             </a:fld>
             <a:endParaRPr lang="en-US"/>
           </a:p>
@@ -1898,7 +1898,7 @@
           <a:p>
             <a:fld id="{150972B2-CA5C-437D-87D0-8081271A9E4B}" type="datetime2">
               <a:rPr lang="en-US" smtClean="0"/>
-              <a:t>Tuesday, June 25, 2024</a:t>
+              <a:t>Wednesday, June 26, 2024</a:t>
             </a:fld>
             <a:endParaRPr lang="en-US"/>
           </a:p>
@@ -2048,7 +2048,7 @@
           <a:p>
             <a:fld id="{79CD4847-11EF-4466-A8AD-85CDB7B49118}" type="datetime2">
               <a:rPr lang="en-US" smtClean="0"/>
-              <a:t>Tuesday, June 25, 2024</a:t>
+              <a:t>Wednesday, June 26, 2024</a:t>
             </a:fld>
             <a:endParaRPr lang="en-US"/>
           </a:p>
@@ -2140,7 +2140,7 @@
           <a:p>
             <a:fld id="{F168457A-3AB9-4880-8A0C-9F8524491207}" type="datetime2">
               <a:rPr lang="en-US" smtClean="0"/>
-              <a:t>Tuesday, June 25, 2024</a:t>
+              <a:t>Wednesday, June 26, 2024</a:t>
             </a:fld>
             <a:endParaRPr lang="en-US"/>
           </a:p>
@@ -2416,7 +2416,7 @@
           <a:p>
             <a:fld id="{3FE976D3-5B7F-4300-ABED-C91F1B2AE209}" type="datetime2">
               <a:rPr lang="en-US" smtClean="0"/>
-              <a:t>Tuesday, June 25, 2024</a:t>
+              <a:t>Wednesday, June 26, 2024</a:t>
             </a:fld>
             <a:endParaRPr lang="en-US"/>
           </a:p>
@@ -2723,7 +2723,7 @@
           <a:p>
             <a:fld id="{EBDC1E59-17DD-41CE-97CA-624A472382D4}" type="datetime2">
               <a:rPr lang="en-US" smtClean="0"/>
-              <a:t>Tuesday, June 25, 2024</a:t>
+              <a:t>Wednesday, June 26, 2024</a:t>
             </a:fld>
             <a:endParaRPr lang="en-US"/>
           </a:p>
@@ -3023,7 +3023,7 @@
           <a:p>
             <a:fld id="{A80CB818-7379-467D-8E76-EF9D9074A26C}" type="datetime2">
               <a:rPr lang="en-US" smtClean="0"/>
-              <a:t>Tuesday, June 25, 2024</a:t>
+              <a:t>Wednesday, June 26, 2024</a:t>
             </a:fld>
             <a:endParaRPr lang="en-US" dirty="0"/>
           </a:p>
@@ -5026,7 +5026,7 @@
         </p:spPr>
         <p:txBody>
           <a:bodyPr vert="horz" lIns="91440" tIns="45720" rIns="91440" bIns="45720" rtlCol="0" anchor="ctr">
-            <a:normAutofit fontScale="55000" lnSpcReduction="20000"/>
+            <a:normAutofit/>
           </a:bodyPr>
           <a:lstStyle>
             <a:lvl1pPr marL="182880" indent="-182880" algn="l" defTabSz="914400" rtl="0" eaLnBrk="1" latinLnBrk="0" hangingPunct="1">
@@ -5197,37 +5197,7 @@
             </a:lvl9pPr>
           </a:lstStyle>
           <a:p>
-            <a:pPr marL="0" indent="0" algn="ctr" rtl="0">
-              <a:spcBef>
-                <a:spcPts val="0"/>
-              </a:spcBef>
-              <a:spcAft>
-                <a:spcPts val="0"/>
-              </a:spcAft>
-              <a:buNone/>
-            </a:pPr>
-            <a:r>
-              <a:rPr lang="es-ES" sz="1800" b="0" i="0" u="none" strike="noStrike" dirty="0">
-                <a:solidFill>
-                  <a:srgbClr val="000000"/>
-                </a:solidFill>
-                <a:effectLst/>
-                <a:latin typeface="Arial" panose="020B0604020202020204" pitchFamily="34" charset="0"/>
-              </a:rPr>
-              <a:t>Video modo manual:</a:t>
-            </a:r>
-            <a:endParaRPr lang="es-ES" sz="2800" b="0" dirty="0">
-              <a:effectLst/>
-            </a:endParaRPr>
-          </a:p>
-          <a:p>
-            <a:pPr marL="0" indent="0" algn="ctr" rtl="0">
-              <a:spcBef>
-                <a:spcPts val="0"/>
-              </a:spcBef>
-              <a:spcAft>
-                <a:spcPts val="0"/>
-              </a:spcAft>
+            <a:pPr marL="0" indent="0" algn="ctr">
               <a:buNone/>
             </a:pPr>
             <a:r>
@@ -5239,83 +5209,14 @@
                 <a:latin typeface="Arial" panose="020B0604020202020204" pitchFamily="34" charset="0"/>
                 <a:hlinkClick r:id="rId2"/>
               </a:rPr>
-              <a:t>https://youtu.be/1jctMfKQUbU</a:t>
-            </a:r>
-            <a:endParaRPr lang="es-ES" sz="2800" b="0" dirty="0">
-              <a:effectLst/>
-            </a:endParaRPr>
-          </a:p>
-          <a:p>
-            <a:pPr marL="0" indent="0" algn="ctr" rtl="0">
-              <a:spcBef>
-                <a:spcPts val="0"/>
-              </a:spcBef>
-              <a:spcAft>
-                <a:spcPts val="0"/>
-              </a:spcAft>
-              <a:buNone/>
-            </a:pPr>
-            <a:endParaRPr lang="es-ES" sz="1800" b="0" i="0" u="none" strike="noStrike" dirty="0">
+              <a:t>https://www.youtube.com/watch?v=3a_RwzYct-s</a:t>
+            </a:r>
+            <a:endParaRPr lang="es-ES" sz="1800" b="0" i="0" u="sng" strike="noStrike" dirty="0">
               <a:solidFill>
-                <a:srgbClr val="292934"/>
+                <a:srgbClr val="0000FF"/>
               </a:solidFill>
               <a:effectLst/>
               <a:latin typeface="Arial" panose="020B0604020202020204" pitchFamily="34" charset="0"/>
-            </a:endParaRPr>
-          </a:p>
-          <a:p>
-            <a:pPr marL="0" indent="0" algn="ctr" rtl="0">
-              <a:spcBef>
-                <a:spcPts val="0"/>
-              </a:spcBef>
-              <a:spcAft>
-                <a:spcPts val="0"/>
-              </a:spcAft>
-              <a:buNone/>
-            </a:pPr>
-            <a:r>
-              <a:rPr lang="es-ES" sz="1800" b="0" i="0" u="none" strike="noStrike" dirty="0">
-                <a:solidFill>
-                  <a:srgbClr val="292934"/>
-                </a:solidFill>
-                <a:effectLst/>
-                <a:latin typeface="Arial" panose="020B0604020202020204" pitchFamily="34" charset="0"/>
-              </a:rPr>
-              <a:t>Video modo automático:</a:t>
-            </a:r>
-            <a:endParaRPr lang="es-ES" sz="2800" b="0" dirty="0">
-              <a:effectLst/>
-            </a:endParaRPr>
-          </a:p>
-          <a:p>
-            <a:pPr marL="0" indent="0" algn="ctr">
-              <a:buNone/>
-            </a:pPr>
-            <a:r>
-              <a:rPr lang="es-ES" sz="1800" b="0" i="0" u="sng" strike="noStrike" dirty="0">
-                <a:solidFill>
-                  <a:srgbClr val="0000FF"/>
-                </a:solidFill>
-                <a:effectLst/>
-                <a:latin typeface="Arial" panose="020B0604020202020204" pitchFamily="34" charset="0"/>
-                <a:hlinkClick r:id="rId3"/>
-              </a:rPr>
-              <a:t>https://youtu.be/led5DfotNzk</a:t>
-            </a:r>
-            <a:r>
-              <a:rPr lang="es-ES" sz="1800" b="0" i="0" u="none" strike="noStrike" dirty="0">
-                <a:solidFill>
-                  <a:srgbClr val="292934"/>
-                </a:solidFill>
-                <a:effectLst/>
-                <a:latin typeface="Arial" panose="020B0604020202020204" pitchFamily="34" charset="0"/>
-              </a:rPr>
-              <a:t> </a:t>
-            </a:r>
-            <a:endParaRPr lang="en-US" sz="3600" dirty="0">
-              <a:solidFill>
-                <a:srgbClr val="FF0000"/>
-              </a:solidFill>
             </a:endParaRPr>
           </a:p>
         </p:txBody>
@@ -5537,7 +5438,7 @@
                 </a:solidFill>
                 <a:effectLst/>
                 <a:latin typeface="Arial" panose="020B0604020202020204" pitchFamily="34" charset="0"/>
-                <a:hlinkClick r:id="rId4"/>
+                <a:hlinkClick r:id="rId3"/>
               </a:rPr>
               <a:t>https://github.com/JaimeMC7/TiltBot</a:t>
             </a:r>
@@ -5562,7 +5463,7 @@
           <p:nvPr/>
         </p:nvPicPr>
         <p:blipFill>
-          <a:blip r:embed="rId5" cstate="email">
+          <a:blip r:embed="rId4" cstate="email">
             <a:extLst>
               <a:ext uri="{28A0092B-C50C-407E-A947-70E740481C1C}">
                 <a14:useLocalDpi xmlns:a14="http://schemas.microsoft.com/office/drawing/2010/main" val="0"/>
@@ -5609,7 +5510,7 @@
           <p:nvPr/>
         </p:nvPicPr>
         <p:blipFill>
-          <a:blip r:embed="rId6" cstate="email">
+          <a:blip r:embed="rId5" cstate="email">
             <a:extLst>
               <a:ext uri="{28A0092B-C50C-407E-A947-70E740481C1C}">
                 <a14:useLocalDpi xmlns:a14="http://schemas.microsoft.com/office/drawing/2010/main" val="0"/>
@@ -5645,7 +5546,7 @@
           <p:nvPr/>
         </p:nvPicPr>
         <p:blipFill rotWithShape="1">
-          <a:blip r:embed="rId7" cstate="email">
+          <a:blip r:embed="rId6" cstate="email">
             <a:extLst>
               <a:ext uri="{28A0092B-C50C-407E-A947-70E740481C1C}">
                 <a14:useLocalDpi xmlns:a14="http://schemas.microsoft.com/office/drawing/2010/main" val="0"/>
